--- a/templates/demo_template.pptx
+++ b/templates/demo_template.pptx
@@ -1933,7 +1933,7 @@
           </a:ln>
           <a:extLst>
             <a:ext uri="{C572A759-6A51-4108-AA02-DFA0A04FC94B}">
-              <ma14:wrappingTextBoxFlag xmlns:ma14="http://schemas.microsoft.com/office/mac/drawingml/2011/main" xmlns:a14="http://schemas.microsoft.com/office/drawing/2010/main" xmlns:m="http://schemas.openxmlformats.org/officeDocument/2006/math" xmlns="" val="1"/>
+              <ma14:wrappingTextBoxFlag xmlns="" xmlns:m="http://schemas.openxmlformats.org/officeDocument/2006/math" xmlns:a14="http://schemas.microsoft.com/office/drawing/2010/main" xmlns:ma14="http://schemas.microsoft.com/office/mac/drawingml/2011/main" val="1"/>
             </a:ext>
           </a:extLst>
         </p:spPr>
@@ -1972,7 +1972,7 @@
           </a:ln>
           <a:extLst>
             <a:ext uri="{C572A759-6A51-4108-AA02-DFA0A04FC94B}">
-              <ma14:wrappingTextBoxFlag xmlns:ma14="http://schemas.microsoft.com/office/mac/drawingml/2011/main" xmlns:a14="http://schemas.microsoft.com/office/drawing/2010/main" xmlns:m="http://schemas.openxmlformats.org/officeDocument/2006/math" xmlns="" val="1"/>
+              <ma14:wrappingTextBoxFlag xmlns="" xmlns:m="http://schemas.openxmlformats.org/officeDocument/2006/math" xmlns:a14="http://schemas.microsoft.com/office/drawing/2010/main" xmlns:ma14="http://schemas.microsoft.com/office/mac/drawingml/2011/main" val="1"/>
             </a:ext>
           </a:extLst>
         </p:spPr>
@@ -2978,12 +2978,8 @@
           <a:p>
             <a:r>
               <a:rPr dirty="0"/>
-              <a:t>How many snake? </a:t>
-            </a:r>
-            <a:r>
-              <a:t>snake</a:t>
-            </a:r>
-            <a:endParaRPr dirty="0"/>
+              <a:t>How many snake? snake</a:t>
+            </a:r>
           </a:p>
         </p:txBody>
       </p:sp>
@@ -3151,8 +3147,8 @@
           <a:lstStyle/>
           <a:p>
             <a:r>
-              <a:rPr lang="nl-BE"/>
-              <a:t>Ticket</a:t>
+              <a:rPr lang="nl-BE" dirty="0"/>
+              <a:t>Ticket Project: {{ project }}</a:t>
             </a:r>
             <a:endParaRPr dirty="0"/>
           </a:p>
@@ -3170,8 +3166,8 @@
         </p:nvSpPr>
         <p:spPr>
           <a:xfrm>
-            <a:off x="647700" y="1825625"/>
-            <a:ext cx="10515600" cy="4351338"/>
+            <a:off x="601472" y="1825625"/>
+            <a:ext cx="10561828" cy="4351338"/>
           </a:xfrm>
           <a:prstGeom prst="rect">
             <a:avLst/>
@@ -3182,6 +3178,9 @@
           <a:lstStyle/>
           <a:p>
             <a:pPr marL="0" indent="0">
+              <a:lnSpc>
+                <a:spcPct val="100000"/>
+              </a:lnSpc>
               <a:buNone/>
             </a:pPr>
             <a:r>
@@ -3194,16 +3193,31 @@
             </a:r>
             <a:r>
               <a:rPr lang="en-US" dirty="0"/>
-              <a:t> ticket in "tickets" %}</a:t>
+              <a:t> tickets in "tickets" %}</a:t>
             </a:r>
           </a:p>
           <a:p>
             <a:pPr marL="0" indent="0">
+              <a:lnSpc>
+                <a:spcPct val="100000"/>
+              </a:lnSpc>
               <a:buNone/>
             </a:pPr>
             <a:r>
               <a:rPr lang="en-US" dirty="0"/>
-              <a:t>  {{ </a:t>
+              <a:t>  {% for ticket in tickets %}</a:t>
+            </a:r>
+          </a:p>
+          <a:p>
+            <a:pPr marL="0" indent="0">
+              <a:lnSpc>
+                <a:spcPct val="100000"/>
+              </a:lnSpc>
+              <a:buNone/>
+            </a:pPr>
+            <a:r>
+              <a:rPr lang="en-US" dirty="0"/>
+              <a:t>    {{ </a:t>
             </a:r>
             <a:r>
               <a:rPr lang="en-US" dirty="0" err="1"/>
@@ -3211,15 +3225,11 @@
             </a:r>
             <a:r>
               <a:rPr lang="en-US" dirty="0"/>
-              <a:t> }} </a:t>
-            </a:r>
-            <a:r>
-              <a:rPr lang="en-US"/>
-              <a:t>- {{ ticket</a:t>
+              <a:t> }} - {{ </a:t>
             </a:r>
             <a:r>
               <a:rPr lang="en-US" dirty="0" err="1"/>
-              <a:t>.summary</a:t>
+              <a:t>ticket.summary</a:t>
             </a:r>
             <a:r>
               <a:rPr lang="en-US" dirty="0"/>
@@ -3228,10 +3238,33 @@
           </a:p>
           <a:p>
             <a:pPr marL="0" indent="0">
+              <a:lnSpc>
+                <a:spcPct val="100000"/>
+              </a:lnSpc>
               <a:buNone/>
             </a:pPr>
             <a:r>
               <a:rPr lang="en-US" dirty="0"/>
+              <a:t>  {% </a:t>
+            </a:r>
+            <a:r>
+              <a:rPr lang="en-US" dirty="0" err="1"/>
+              <a:t>endfor</a:t>
+            </a:r>
+            <a:r>
+              <a:rPr lang="en-US" dirty="0"/>
+              <a:t> %}</a:t>
+            </a:r>
+          </a:p>
+          <a:p>
+            <a:pPr marL="0" indent="0">
+              <a:lnSpc>
+                <a:spcPct val="100000"/>
+              </a:lnSpc>
+              <a:buNone/>
+            </a:pPr>
+            <a:r>
+              <a:rPr lang="en-US" dirty="0"/>
               <a:t>{% </a:t>
             </a:r>
             <a:r>
@@ -3242,7 +3275,6 @@
               <a:rPr lang="en-US" dirty="0"/>
               <a:t> %}</a:t>
             </a:r>
-            <a:endParaRPr dirty="0"/>
           </a:p>
         </p:txBody>
       </p:sp>
